--- a/images/Pics.pptx
+++ b/images/Pics.pptx
@@ -271,7 +271,7 @@
           <a:p>
             <a:fld id="{13A239B5-5A94-4570-A700-5C6ED53D9BBD}" type="datetimeFigureOut">
               <a:rPr lang="en-US" smtClean="0"/>
-              <a:t>4/28/2021</a:t>
+              <a:t>4/29/2021</a:t>
             </a:fld>
             <a:endParaRPr lang="en-US"/>
           </a:p>
@@ -469,7 +469,7 @@
           <a:p>
             <a:fld id="{13A239B5-5A94-4570-A700-5C6ED53D9BBD}" type="datetimeFigureOut">
               <a:rPr lang="en-US" smtClean="0"/>
-              <a:t>4/28/2021</a:t>
+              <a:t>4/29/2021</a:t>
             </a:fld>
             <a:endParaRPr lang="en-US"/>
           </a:p>
@@ -677,7 +677,7 @@
           <a:p>
             <a:fld id="{13A239B5-5A94-4570-A700-5C6ED53D9BBD}" type="datetimeFigureOut">
               <a:rPr lang="en-US" smtClean="0"/>
-              <a:t>4/28/2021</a:t>
+              <a:t>4/29/2021</a:t>
             </a:fld>
             <a:endParaRPr lang="en-US"/>
           </a:p>
@@ -875,7 +875,7 @@
           <a:p>
             <a:fld id="{13A239B5-5A94-4570-A700-5C6ED53D9BBD}" type="datetimeFigureOut">
               <a:rPr lang="en-US" smtClean="0"/>
-              <a:t>4/28/2021</a:t>
+              <a:t>4/29/2021</a:t>
             </a:fld>
             <a:endParaRPr lang="en-US"/>
           </a:p>
@@ -1150,7 +1150,7 @@
           <a:p>
             <a:fld id="{13A239B5-5A94-4570-A700-5C6ED53D9BBD}" type="datetimeFigureOut">
               <a:rPr lang="en-US" smtClean="0"/>
-              <a:t>4/28/2021</a:t>
+              <a:t>4/29/2021</a:t>
             </a:fld>
             <a:endParaRPr lang="en-US"/>
           </a:p>
@@ -1415,7 +1415,7 @@
           <a:p>
             <a:fld id="{13A239B5-5A94-4570-A700-5C6ED53D9BBD}" type="datetimeFigureOut">
               <a:rPr lang="en-US" smtClean="0"/>
-              <a:t>4/28/2021</a:t>
+              <a:t>4/29/2021</a:t>
             </a:fld>
             <a:endParaRPr lang="en-US"/>
           </a:p>
@@ -1827,7 +1827,7 @@
           <a:p>
             <a:fld id="{13A239B5-5A94-4570-A700-5C6ED53D9BBD}" type="datetimeFigureOut">
               <a:rPr lang="en-US" smtClean="0"/>
-              <a:t>4/28/2021</a:t>
+              <a:t>4/29/2021</a:t>
             </a:fld>
             <a:endParaRPr lang="en-US"/>
           </a:p>
@@ -1968,7 +1968,7 @@
           <a:p>
             <a:fld id="{13A239B5-5A94-4570-A700-5C6ED53D9BBD}" type="datetimeFigureOut">
               <a:rPr lang="en-US" smtClean="0"/>
-              <a:t>4/28/2021</a:t>
+              <a:t>4/29/2021</a:t>
             </a:fld>
             <a:endParaRPr lang="en-US"/>
           </a:p>
@@ -2081,7 +2081,7 @@
           <a:p>
             <a:fld id="{13A239B5-5A94-4570-A700-5C6ED53D9BBD}" type="datetimeFigureOut">
               <a:rPr lang="en-US" smtClean="0"/>
-              <a:t>4/28/2021</a:t>
+              <a:t>4/29/2021</a:t>
             </a:fld>
             <a:endParaRPr lang="en-US"/>
           </a:p>
@@ -2392,7 +2392,7 @@
           <a:p>
             <a:fld id="{13A239B5-5A94-4570-A700-5C6ED53D9BBD}" type="datetimeFigureOut">
               <a:rPr lang="en-US" smtClean="0"/>
-              <a:t>4/28/2021</a:t>
+              <a:t>4/29/2021</a:t>
             </a:fld>
             <a:endParaRPr lang="en-US"/>
           </a:p>
@@ -2680,7 +2680,7 @@
           <a:p>
             <a:fld id="{13A239B5-5A94-4570-A700-5C6ED53D9BBD}" type="datetimeFigureOut">
               <a:rPr lang="en-US" smtClean="0"/>
-              <a:t>4/28/2021</a:t>
+              <a:t>4/29/2021</a:t>
             </a:fld>
             <a:endParaRPr lang="en-US"/>
           </a:p>
@@ -2921,7 +2921,7 @@
           <a:p>
             <a:fld id="{13A239B5-5A94-4570-A700-5C6ED53D9BBD}" type="datetimeFigureOut">
               <a:rPr lang="en-US" smtClean="0"/>
-              <a:t>4/28/2021</a:t>
+              <a:t>4/29/2021</a:t>
             </a:fld>
             <a:endParaRPr lang="en-US"/>
           </a:p>
@@ -3475,14 +3475,71 @@
         </p:blipFill>
         <p:spPr>
           <a:xfrm>
-            <a:off x="3657600" y="990600"/>
-            <a:ext cx="4876800" cy="4876800"/>
+            <a:off x="544945" y="1258454"/>
+            <a:ext cx="1967345" cy="1967345"/>
           </a:xfrm>
           <a:prstGeom prst="rect">
             <a:avLst/>
           </a:prstGeom>
         </p:spPr>
       </p:pic>
+      <p:sp>
+        <p:nvSpPr>
+          <p:cNvPr id="2" name="Flowchart: Connector 1">
+            <a:extLst>
+              <a:ext uri="{FF2B5EF4-FFF2-40B4-BE49-F238E27FC236}">
+                <a16:creationId xmlns:a16="http://schemas.microsoft.com/office/drawing/2014/main" id="{FB1D4BA1-0FC7-41AF-9212-14F5A561BB5E}"/>
+              </a:ext>
+            </a:extLst>
+          </p:cNvPr>
+          <p:cNvSpPr/>
+          <p:nvPr/>
+        </p:nvSpPr>
+        <p:spPr>
+          <a:xfrm>
+            <a:off x="4335972" y="1678268"/>
+            <a:ext cx="3520055" cy="3501463"/>
+          </a:xfrm>
+          <a:prstGeom prst="flowChartConnector">
+            <a:avLst/>
+          </a:prstGeom>
+          <a:blipFill>
+            <a:blip r:embed="rId3"/>
+            <a:stretch>
+              <a:fillRect/>
+            </a:stretch>
+          </a:blipFill>
+          <a:ln w="19050">
+            <a:solidFill>
+              <a:schemeClr val="tx1"/>
+            </a:solidFill>
+          </a:ln>
+        </p:spPr>
+        <p:style>
+          <a:lnRef idx="2">
+            <a:schemeClr val="accent1">
+              <a:shade val="50000"/>
+            </a:schemeClr>
+          </a:lnRef>
+          <a:fillRef idx="1">
+            <a:schemeClr val="accent1"/>
+          </a:fillRef>
+          <a:effectRef idx="0">
+            <a:schemeClr val="accent1"/>
+          </a:effectRef>
+          <a:fontRef idx="minor">
+            <a:schemeClr val="lt1"/>
+          </a:fontRef>
+        </p:style>
+        <p:txBody>
+          <a:bodyPr rtlCol="0" anchor="ctr"/>
+          <a:lstStyle/>
+          <a:p>
+            <a:pPr algn="ctr"/>
+            <a:endParaRPr lang="en-US"/>
+          </a:p>
+        </p:txBody>
+      </p:sp>
     </p:spTree>
     <p:extLst>
       <p:ext uri="{BB962C8B-B14F-4D97-AF65-F5344CB8AC3E}">

--- a/images/Pics.pptx
+++ b/images/Pics.pptx
@@ -7,6 +7,7 @@
   <p:sldIdLst>
     <p:sldId id="257" r:id="rId2"/>
     <p:sldId id="256" r:id="rId3"/>
+    <p:sldId id="258" r:id="rId4"/>
   </p:sldIdLst>
   <p:sldSz cx="12192000" cy="6858000"/>
   <p:notesSz cx="6858000" cy="9144000"/>
@@ -271,7 +272,7 @@
           <a:p>
             <a:fld id="{13A239B5-5A94-4570-A700-5C6ED53D9BBD}" type="datetimeFigureOut">
               <a:rPr lang="en-US" smtClean="0"/>
-              <a:t>4/29/2021</a:t>
+              <a:t>5/11/2021</a:t>
             </a:fld>
             <a:endParaRPr lang="en-US"/>
           </a:p>
@@ -469,7 +470,7 @@
           <a:p>
             <a:fld id="{13A239B5-5A94-4570-A700-5C6ED53D9BBD}" type="datetimeFigureOut">
               <a:rPr lang="en-US" smtClean="0"/>
-              <a:t>4/29/2021</a:t>
+              <a:t>5/11/2021</a:t>
             </a:fld>
             <a:endParaRPr lang="en-US"/>
           </a:p>
@@ -677,7 +678,7 @@
           <a:p>
             <a:fld id="{13A239B5-5A94-4570-A700-5C6ED53D9BBD}" type="datetimeFigureOut">
               <a:rPr lang="en-US" smtClean="0"/>
-              <a:t>4/29/2021</a:t>
+              <a:t>5/11/2021</a:t>
             </a:fld>
             <a:endParaRPr lang="en-US"/>
           </a:p>
@@ -875,7 +876,7 @@
           <a:p>
             <a:fld id="{13A239B5-5A94-4570-A700-5C6ED53D9BBD}" type="datetimeFigureOut">
               <a:rPr lang="en-US" smtClean="0"/>
-              <a:t>4/29/2021</a:t>
+              <a:t>5/11/2021</a:t>
             </a:fld>
             <a:endParaRPr lang="en-US"/>
           </a:p>
@@ -1150,7 +1151,7 @@
           <a:p>
             <a:fld id="{13A239B5-5A94-4570-A700-5C6ED53D9BBD}" type="datetimeFigureOut">
               <a:rPr lang="en-US" smtClean="0"/>
-              <a:t>4/29/2021</a:t>
+              <a:t>5/11/2021</a:t>
             </a:fld>
             <a:endParaRPr lang="en-US"/>
           </a:p>
@@ -1415,7 +1416,7 @@
           <a:p>
             <a:fld id="{13A239B5-5A94-4570-A700-5C6ED53D9BBD}" type="datetimeFigureOut">
               <a:rPr lang="en-US" smtClean="0"/>
-              <a:t>4/29/2021</a:t>
+              <a:t>5/11/2021</a:t>
             </a:fld>
             <a:endParaRPr lang="en-US"/>
           </a:p>
@@ -1827,7 +1828,7 @@
           <a:p>
             <a:fld id="{13A239B5-5A94-4570-A700-5C6ED53D9BBD}" type="datetimeFigureOut">
               <a:rPr lang="en-US" smtClean="0"/>
-              <a:t>4/29/2021</a:t>
+              <a:t>5/11/2021</a:t>
             </a:fld>
             <a:endParaRPr lang="en-US"/>
           </a:p>
@@ -1968,7 +1969,7 @@
           <a:p>
             <a:fld id="{13A239B5-5A94-4570-A700-5C6ED53D9BBD}" type="datetimeFigureOut">
               <a:rPr lang="en-US" smtClean="0"/>
-              <a:t>4/29/2021</a:t>
+              <a:t>5/11/2021</a:t>
             </a:fld>
             <a:endParaRPr lang="en-US"/>
           </a:p>
@@ -2081,7 +2082,7 @@
           <a:p>
             <a:fld id="{13A239B5-5A94-4570-A700-5C6ED53D9BBD}" type="datetimeFigureOut">
               <a:rPr lang="en-US" smtClean="0"/>
-              <a:t>4/29/2021</a:t>
+              <a:t>5/11/2021</a:t>
             </a:fld>
             <a:endParaRPr lang="en-US"/>
           </a:p>
@@ -2392,7 +2393,7 @@
           <a:p>
             <a:fld id="{13A239B5-5A94-4570-A700-5C6ED53D9BBD}" type="datetimeFigureOut">
               <a:rPr lang="en-US" smtClean="0"/>
-              <a:t>4/29/2021</a:t>
+              <a:t>5/11/2021</a:t>
             </a:fld>
             <a:endParaRPr lang="en-US"/>
           </a:p>
@@ -2680,7 +2681,7 @@
           <a:p>
             <a:fld id="{13A239B5-5A94-4570-A700-5C6ED53D9BBD}" type="datetimeFigureOut">
               <a:rPr lang="en-US" smtClean="0"/>
-              <a:t>4/29/2021</a:t>
+              <a:t>5/11/2021</a:t>
             </a:fld>
             <a:endParaRPr lang="en-US"/>
           </a:p>
@@ -2921,7 +2922,7 @@
           <a:p>
             <a:fld id="{13A239B5-5A94-4570-A700-5C6ED53D9BBD}" type="datetimeFigureOut">
               <a:rPr lang="en-US" smtClean="0"/>
-              <a:t>4/29/2021</a:t>
+              <a:t>5/11/2021</a:t>
             </a:fld>
             <a:endParaRPr lang="en-US"/>
           </a:p>
@@ -3553,6 +3554,95 @@
 </p:sld>
 </file>
 
+<file path=ppt/slides/slide3.xml><?xml version="1.0" encoding="utf-8"?>
+<p:sld xmlns:a="http://schemas.openxmlformats.org/drawingml/2006/main" xmlns:r="http://schemas.openxmlformats.org/officeDocument/2006/relationships" xmlns:p="http://schemas.openxmlformats.org/presentationml/2006/main">
+  <p:cSld>
+    <p:spTree>
+      <p:nvGrpSpPr>
+        <p:cNvPr id="1" name=""/>
+        <p:cNvGrpSpPr/>
+        <p:nvPr/>
+      </p:nvGrpSpPr>
+      <p:grpSpPr>
+        <a:xfrm>
+          <a:off x="0" y="0"/>
+          <a:ext cx="0" cy="0"/>
+          <a:chOff x="0" y="0"/>
+          <a:chExt cx="0" cy="0"/>
+        </a:xfrm>
+      </p:grpSpPr>
+      <p:sp>
+        <p:nvSpPr>
+          <p:cNvPr id="4" name="Rectangle 3">
+            <a:extLst>
+              <a:ext uri="{FF2B5EF4-FFF2-40B4-BE49-F238E27FC236}">
+                <a16:creationId xmlns:a16="http://schemas.microsoft.com/office/drawing/2014/main" id="{C4982BAC-0D51-4E7C-A025-A7739E93447F}"/>
+              </a:ext>
+            </a:extLst>
+          </p:cNvPr>
+          <p:cNvSpPr/>
+          <p:nvPr/>
+        </p:nvSpPr>
+        <p:spPr>
+          <a:xfrm>
+            <a:off x="1682496" y="999744"/>
+            <a:ext cx="1889760" cy="1828800"/>
+          </a:xfrm>
+          <a:prstGeom prst="rect">
+            <a:avLst/>
+          </a:prstGeom>
+          <a:blipFill>
+            <a:blip r:embed="rId2"/>
+            <a:stretch>
+              <a:fillRect/>
+            </a:stretch>
+          </a:blipFill>
+          <a:ln w="6350">
+            <a:solidFill>
+              <a:schemeClr val="accent1">
+                <a:shade val="50000"/>
+              </a:schemeClr>
+            </a:solidFill>
+          </a:ln>
+        </p:spPr>
+        <p:style>
+          <a:lnRef idx="2">
+            <a:schemeClr val="accent1">
+              <a:shade val="50000"/>
+            </a:schemeClr>
+          </a:lnRef>
+          <a:fillRef idx="1">
+            <a:schemeClr val="accent1"/>
+          </a:fillRef>
+          <a:effectRef idx="0">
+            <a:schemeClr val="accent1"/>
+          </a:effectRef>
+          <a:fontRef idx="minor">
+            <a:schemeClr val="lt1"/>
+          </a:fontRef>
+        </p:style>
+        <p:txBody>
+          <a:bodyPr rtlCol="0" anchor="ctr"/>
+          <a:lstStyle/>
+          <a:p>
+            <a:pPr algn="ctr"/>
+            <a:endParaRPr lang="en-US"/>
+          </a:p>
+        </p:txBody>
+      </p:sp>
+    </p:spTree>
+    <p:extLst>
+      <p:ext uri="{BB962C8B-B14F-4D97-AF65-F5344CB8AC3E}">
+        <p14:creationId xmlns:p14="http://schemas.microsoft.com/office/powerpoint/2010/main" val="234529343"/>
+      </p:ext>
+    </p:extLst>
+  </p:cSld>
+  <p:clrMapOvr>
+    <a:masterClrMapping/>
+  </p:clrMapOvr>
+</p:sld>
+</file>
+
 <file path=ppt/theme/theme1.xml><?xml version="1.0" encoding="utf-8"?>
 <a:theme xmlns:a="http://schemas.openxmlformats.org/drawingml/2006/main" name="Office Theme">
   <a:themeElements>

--- a/images/Pics.pptx
+++ b/images/Pics.pptx
@@ -3367,12 +3367,18 @@
         </p:blipFill>
         <p:spPr>
           <a:xfrm>
-            <a:off x="1516279" y="422601"/>
+            <a:off x="725409" y="925133"/>
             <a:ext cx="3377477" cy="3389670"/>
           </a:xfrm>
           <a:prstGeom prst="rect">
             <a:avLst/>
           </a:prstGeom>
+          <a:noFill/>
+          <a:ln w="0">
+            <a:solidFill>
+              <a:schemeClr val="accent1"/>
+            </a:solidFill>
+          </a:ln>
         </p:spPr>
       </p:pic>
       <p:pic>

--- a/images/Pics.pptx
+++ b/images/Pics.pptx
@@ -8,6 +8,7 @@
     <p:sldId id="257" r:id="rId2"/>
     <p:sldId id="256" r:id="rId3"/>
     <p:sldId id="258" r:id="rId4"/>
+    <p:sldId id="259" r:id="rId5"/>
   </p:sldIdLst>
   <p:sldSz cx="12192000" cy="6858000"/>
   <p:notesSz cx="6858000" cy="9144000"/>
@@ -3649,6 +3650,77 @@
 </p:sld>
 </file>
 
+<file path=ppt/slides/slide4.xml><?xml version="1.0" encoding="utf-8"?>
+<p:sld xmlns:a="http://schemas.openxmlformats.org/drawingml/2006/main" xmlns:r="http://schemas.openxmlformats.org/officeDocument/2006/relationships" xmlns:p="http://schemas.openxmlformats.org/presentationml/2006/main">
+  <p:cSld>
+    <p:spTree>
+      <p:nvGrpSpPr>
+        <p:cNvPr id="1" name=""/>
+        <p:cNvGrpSpPr/>
+        <p:nvPr/>
+      </p:nvGrpSpPr>
+      <p:grpSpPr>
+        <a:xfrm>
+          <a:off x="0" y="0"/>
+          <a:ext cx="0" cy="0"/>
+          <a:chOff x="0" y="0"/>
+          <a:chExt cx="0" cy="0"/>
+        </a:xfrm>
+      </p:grpSpPr>
+      <p:pic>
+        <p:nvPicPr>
+          <p:cNvPr id="15" name="Picture 14">
+            <a:extLst>
+              <a:ext uri="{FF2B5EF4-FFF2-40B4-BE49-F238E27FC236}">
+                <a16:creationId xmlns:a16="http://schemas.microsoft.com/office/drawing/2014/main" id="{C101B65D-D3DD-47A4-B0F1-FEE35BCA6A29}"/>
+              </a:ext>
+            </a:extLst>
+          </p:cNvPr>
+          <p:cNvPicPr>
+            <a:picLocks noChangeAspect="1"/>
+          </p:cNvPicPr>
+          <p:nvPr/>
+        </p:nvPicPr>
+        <p:blipFill>
+          <a:blip r:embed="rId2">
+            <a:clrChange>
+              <a:clrFrom>
+                <a:srgbClr val="FFFFFF"/>
+              </a:clrFrom>
+              <a:clrTo>
+                <a:srgbClr val="FFFFFF">
+                  <a:alpha val="0"/>
+                </a:srgbClr>
+              </a:clrTo>
+            </a:clrChange>
+          </a:blip>
+          <a:stretch>
+            <a:fillRect/>
+          </a:stretch>
+        </p:blipFill>
+        <p:spPr>
+          <a:xfrm>
+            <a:off x="3642563" y="923751"/>
+            <a:ext cx="4906874" cy="5010498"/>
+          </a:xfrm>
+          <a:prstGeom prst="rect">
+            <a:avLst/>
+          </a:prstGeom>
+        </p:spPr>
+      </p:pic>
+    </p:spTree>
+    <p:extLst>
+      <p:ext uri="{BB962C8B-B14F-4D97-AF65-F5344CB8AC3E}">
+        <p14:creationId xmlns:p14="http://schemas.microsoft.com/office/powerpoint/2010/main" val="2920981055"/>
+      </p:ext>
+    </p:extLst>
+  </p:cSld>
+  <p:clrMapOvr>
+    <a:masterClrMapping/>
+  </p:clrMapOvr>
+</p:sld>
+</file>
+
 <file path=ppt/theme/theme1.xml><?xml version="1.0" encoding="utf-8"?>
 <a:theme xmlns:a="http://schemas.openxmlformats.org/drawingml/2006/main" name="Office Theme">
   <a:themeElements>

--- a/images/Pics.pptx
+++ b/images/Pics.pptx
@@ -9,6 +9,7 @@
     <p:sldId id="256" r:id="rId3"/>
     <p:sldId id="258" r:id="rId4"/>
     <p:sldId id="259" r:id="rId5"/>
+    <p:sldId id="260" r:id="rId6"/>
   </p:sldIdLst>
   <p:sldSz cx="12192000" cy="6858000"/>
   <p:notesSz cx="6858000" cy="9144000"/>
@@ -110,7 +111,7 @@
   <p:extLst>
     <p:ext uri="{EFAFB233-063F-42B5-8137-9DF3F51BA10A}">
       <p15:sldGuideLst xmlns:p15="http://schemas.microsoft.com/office/powerpoint/2012/main">
-        <p15:guide id="1" orient="horz" pos="2160" userDrawn="1">
+        <p15:guide id="1" orient="horz" pos="2136" userDrawn="1">
           <p15:clr>
             <a:srgbClr val="A4A3A4"/>
           </p15:clr>
@@ -3721,6 +3722,91 @@
 </p:sld>
 </file>
 
+<file path=ppt/slides/slide5.xml><?xml version="1.0" encoding="utf-8"?>
+<p:sld xmlns:a="http://schemas.openxmlformats.org/drawingml/2006/main" xmlns:r="http://schemas.openxmlformats.org/officeDocument/2006/relationships" xmlns:p="http://schemas.openxmlformats.org/presentationml/2006/main">
+  <p:cSld>
+    <p:spTree>
+      <p:nvGrpSpPr>
+        <p:cNvPr id="1" name=""/>
+        <p:cNvGrpSpPr/>
+        <p:nvPr/>
+      </p:nvGrpSpPr>
+      <p:grpSpPr>
+        <a:xfrm>
+          <a:off x="0" y="0"/>
+          <a:ext cx="0" cy="0"/>
+          <a:chOff x="0" y="0"/>
+          <a:chExt cx="0" cy="0"/>
+        </a:xfrm>
+      </p:grpSpPr>
+      <p:sp>
+        <p:nvSpPr>
+          <p:cNvPr id="4" name="Flowchart: Connector 3">
+            <a:extLst>
+              <a:ext uri="{FF2B5EF4-FFF2-40B4-BE49-F238E27FC236}">
+                <a16:creationId xmlns:a16="http://schemas.microsoft.com/office/drawing/2014/main" id="{390E92D2-F783-4456-A908-AD464860803D}"/>
+              </a:ext>
+            </a:extLst>
+          </p:cNvPr>
+          <p:cNvSpPr/>
+          <p:nvPr/>
+        </p:nvSpPr>
+        <p:spPr>
+          <a:xfrm>
+            <a:off x="911610" y="2456842"/>
+            <a:ext cx="3084576" cy="3060192"/>
+          </a:xfrm>
+          <a:prstGeom prst="flowChartConnector">
+            <a:avLst/>
+          </a:prstGeom>
+          <a:blipFill>
+            <a:blip r:embed="rId2"/>
+            <a:stretch>
+              <a:fillRect/>
+            </a:stretch>
+          </a:blipFill>
+          <a:ln w="0">
+            <a:noFill/>
+          </a:ln>
+        </p:spPr>
+        <p:style>
+          <a:lnRef idx="2">
+            <a:schemeClr val="accent1">
+              <a:shade val="50000"/>
+            </a:schemeClr>
+          </a:lnRef>
+          <a:fillRef idx="1">
+            <a:schemeClr val="accent1"/>
+          </a:fillRef>
+          <a:effectRef idx="0">
+            <a:schemeClr val="accent1"/>
+          </a:effectRef>
+          <a:fontRef idx="minor">
+            <a:schemeClr val="lt1"/>
+          </a:fontRef>
+        </p:style>
+        <p:txBody>
+          <a:bodyPr rtlCol="0" anchor="ctr"/>
+          <a:lstStyle/>
+          <a:p>
+            <a:pPr algn="ctr"/>
+            <a:endParaRPr lang="en-US"/>
+          </a:p>
+        </p:txBody>
+      </p:sp>
+    </p:spTree>
+    <p:extLst>
+      <p:ext uri="{BB962C8B-B14F-4D97-AF65-F5344CB8AC3E}">
+        <p14:creationId xmlns:p14="http://schemas.microsoft.com/office/powerpoint/2010/main" val="3182820479"/>
+      </p:ext>
+    </p:extLst>
+  </p:cSld>
+  <p:clrMapOvr>
+    <a:masterClrMapping/>
+  </p:clrMapOvr>
+</p:sld>
+</file>
+
 <file path=ppt/theme/theme1.xml><?xml version="1.0" encoding="utf-8"?>
 <a:theme xmlns:a="http://schemas.openxmlformats.org/drawingml/2006/main" name="Office Theme">
   <a:themeElements>

--- a/images/Pics.pptx
+++ b/images/Pics.pptx
@@ -3794,6 +3794,61 @@
           </a:p>
         </p:txBody>
       </p:sp>
+      <p:sp>
+        <p:nvSpPr>
+          <p:cNvPr id="3" name="Flowchart: Connector 2">
+            <a:extLst>
+              <a:ext uri="{FF2B5EF4-FFF2-40B4-BE49-F238E27FC236}">
+                <a16:creationId xmlns:a16="http://schemas.microsoft.com/office/drawing/2014/main" id="{B62FD0A1-33F0-4D8E-91EB-AEE02377CC0E}"/>
+              </a:ext>
+            </a:extLst>
+          </p:cNvPr>
+          <p:cNvSpPr/>
+          <p:nvPr/>
+        </p:nvSpPr>
+        <p:spPr>
+          <a:xfrm>
+            <a:off x="6196842" y="1390042"/>
+            <a:ext cx="3084576" cy="3060192"/>
+          </a:xfrm>
+          <a:prstGeom prst="flowChartConnector">
+            <a:avLst/>
+          </a:prstGeom>
+          <a:blipFill>
+            <a:blip r:embed="rId2"/>
+            <a:stretch>
+              <a:fillRect/>
+            </a:stretch>
+          </a:blipFill>
+          <a:ln w="0">
+            <a:noFill/>
+          </a:ln>
+        </p:spPr>
+        <p:style>
+          <a:lnRef idx="2">
+            <a:schemeClr val="accent1">
+              <a:shade val="50000"/>
+            </a:schemeClr>
+          </a:lnRef>
+          <a:fillRef idx="1">
+            <a:schemeClr val="accent1"/>
+          </a:fillRef>
+          <a:effectRef idx="0">
+            <a:schemeClr val="accent1"/>
+          </a:effectRef>
+          <a:fontRef idx="minor">
+            <a:schemeClr val="lt1"/>
+          </a:fontRef>
+        </p:style>
+        <p:txBody>
+          <a:bodyPr rtlCol="0" anchor="ctr"/>
+          <a:lstStyle/>
+          <a:p>
+            <a:pPr algn="ctr"/>
+            <a:endParaRPr lang="en-US"/>
+          </a:p>
+        </p:txBody>
+      </p:sp>
     </p:spTree>
     <p:extLst>
       <p:ext uri="{BB962C8B-B14F-4D97-AF65-F5344CB8AC3E}">

--- a/images/Pics.pptx
+++ b/images/Pics.pptx
@@ -10,6 +10,7 @@
     <p:sldId id="258" r:id="rId4"/>
     <p:sldId id="259" r:id="rId5"/>
     <p:sldId id="260" r:id="rId6"/>
+    <p:sldId id="261" r:id="rId7"/>
   </p:sldIdLst>
   <p:sldSz cx="12192000" cy="6858000"/>
   <p:notesSz cx="6858000" cy="9144000"/>
@@ -3862,6 +3863,82 @@
 </p:sld>
 </file>
 
+<file path=ppt/slides/slide6.xml><?xml version="1.0" encoding="utf-8"?>
+<p:sld xmlns:a="http://schemas.openxmlformats.org/drawingml/2006/main" xmlns:r="http://schemas.openxmlformats.org/officeDocument/2006/relationships" xmlns:p="http://schemas.openxmlformats.org/presentationml/2006/main">
+  <p:cSld>
+    <p:spTree>
+      <p:nvGrpSpPr>
+        <p:cNvPr id="1" name=""/>
+        <p:cNvGrpSpPr/>
+        <p:nvPr/>
+      </p:nvGrpSpPr>
+      <p:grpSpPr>
+        <a:xfrm>
+          <a:off x="0" y="0"/>
+          <a:ext cx="0" cy="0"/>
+          <a:chOff x="0" y="0"/>
+          <a:chExt cx="0" cy="0"/>
+        </a:xfrm>
+      </p:grpSpPr>
+      <p:pic>
+        <p:nvPicPr>
+          <p:cNvPr id="5" name="Picture 4" descr="Text, logo&#10;&#10;Description automatically generated with medium confidence">
+            <a:extLst>
+              <a:ext uri="{FF2B5EF4-FFF2-40B4-BE49-F238E27FC236}">
+                <a16:creationId xmlns:a16="http://schemas.microsoft.com/office/drawing/2014/main" id="{61C23B8B-5A80-4A6B-A0FF-AF83E5284958}"/>
+              </a:ext>
+            </a:extLst>
+          </p:cNvPr>
+          <p:cNvPicPr>
+            <a:picLocks noChangeAspect="1"/>
+          </p:cNvPicPr>
+          <p:nvPr/>
+        </p:nvPicPr>
+        <p:blipFill>
+          <a:blip r:embed="rId2">
+            <a:clrChange>
+              <a:clrFrom>
+                <a:srgbClr val="EDEDED"/>
+              </a:clrFrom>
+              <a:clrTo>
+                <a:srgbClr val="EDEDED">
+                  <a:alpha val="0"/>
+                </a:srgbClr>
+              </a:clrTo>
+            </a:clrChange>
+            <a:extLst>
+              <a:ext uri="{28A0092B-C50C-407E-A947-70E740481C1C}">
+                <a14:useLocalDpi xmlns:a14="http://schemas.microsoft.com/office/drawing/2010/main" val="0"/>
+              </a:ext>
+            </a:extLst>
+          </a:blip>
+          <a:stretch>
+            <a:fillRect/>
+          </a:stretch>
+        </p:blipFill>
+        <p:spPr>
+          <a:xfrm>
+            <a:off x="598818" y="1018777"/>
+            <a:ext cx="571580" cy="571580"/>
+          </a:xfrm>
+          <a:prstGeom prst="rect">
+            <a:avLst/>
+          </a:prstGeom>
+        </p:spPr>
+      </p:pic>
+    </p:spTree>
+    <p:extLst>
+      <p:ext uri="{BB962C8B-B14F-4D97-AF65-F5344CB8AC3E}">
+        <p14:creationId xmlns:p14="http://schemas.microsoft.com/office/powerpoint/2010/main" val="3641589196"/>
+      </p:ext>
+    </p:extLst>
+  </p:cSld>
+  <p:clrMapOvr>
+    <a:masterClrMapping/>
+  </p:clrMapOvr>
+</p:sld>
+</file>
+
 <file path=ppt/theme/theme1.xml><?xml version="1.0" encoding="utf-8"?>
 <a:theme xmlns:a="http://schemas.openxmlformats.org/drawingml/2006/main" name="Office Theme">
   <a:themeElements>
